--- a/SRS and User stories with acceptance criteria/Nacepin work done.pptx
+++ b/SRS and User stories with acceptance criteria/Nacepin work done.pptx
@@ -4,9 +4,15 @@
   <p:sldMasterIdLst>
     <p:sldMasterId id="2147483696" r:id="rId1"/>
   </p:sldMasterIdLst>
+  <p:notesMasterIdLst>
+    <p:notesMasterId r:id="rId7"/>
+  </p:notesMasterIdLst>
   <p:sldIdLst>
     <p:sldId id="256" r:id="rId2"/>
     <p:sldId id="257" r:id="rId3"/>
+    <p:sldId id="258" r:id="rId4"/>
+    <p:sldId id="259" r:id="rId5"/>
+    <p:sldId id="260" r:id="rId6"/>
   </p:sldIdLst>
   <p:sldSz cx="12192000" cy="6858000"/>
   <p:notesSz cx="6858000" cy="9144000"/>
@@ -105,7 +111,446 @@
       </a:defRPr>
     </a:lvl9pPr>
   </p:defaultTextStyle>
+  <p:extLst>
+    <p:ext uri="{EFAFB233-063F-42B5-8137-9DF3F51BA10A}">
+      <p15:sldGuideLst xmlns:p15="http://schemas.microsoft.com/office/powerpoint/2012/main"/>
+    </p:ext>
+  </p:extLst>
 </p:presentation>
+</file>
+
+<file path=ppt/notesMasters/notesMaster1.xml><?xml version="1.0" encoding="utf-8"?>
+<p:notesMaster xmlns:a="http://schemas.openxmlformats.org/drawingml/2006/main" xmlns:r="http://schemas.openxmlformats.org/officeDocument/2006/relationships" xmlns:p="http://schemas.openxmlformats.org/presentationml/2006/main">
+  <p:cSld>
+    <p:bg>
+      <p:bgRef idx="1001">
+        <a:schemeClr val="bg1"/>
+      </p:bgRef>
+    </p:bg>
+    <p:spTree>
+      <p:nvGrpSpPr>
+        <p:cNvPr id="1" name=""/>
+        <p:cNvGrpSpPr/>
+        <p:nvPr/>
+      </p:nvGrpSpPr>
+      <p:grpSpPr>
+        <a:xfrm>
+          <a:off x="0" y="0"/>
+          <a:ext cx="0" cy="0"/>
+          <a:chOff x="0" y="0"/>
+          <a:chExt cx="0" cy="0"/>
+        </a:xfrm>
+      </p:grpSpPr>
+      <p:sp>
+        <p:nvSpPr>
+          <p:cNvPr id="2" name="Header Placeholder 1"/>
+          <p:cNvSpPr>
+            <a:spLocks noGrp="1"/>
+          </p:cNvSpPr>
+          <p:nvPr>
+            <p:ph type="hdr" sz="quarter"/>
+          </p:nvPr>
+        </p:nvSpPr>
+        <p:spPr>
+          <a:xfrm>
+            <a:off x="0" y="0"/>
+            <a:ext cx="2971800" cy="458788"/>
+          </a:xfrm>
+          <a:prstGeom prst="rect">
+            <a:avLst/>
+          </a:prstGeom>
+        </p:spPr>
+        <p:txBody>
+          <a:bodyPr vert="horz" lIns="91440" tIns="45720" rIns="91440" bIns="45720" rtlCol="0"/>
+          <a:lstStyle>
+            <a:lvl1pPr algn="l">
+              <a:defRPr sz="1200"/>
+            </a:lvl1pPr>
+          </a:lstStyle>
+          <a:p>
+            <a:endParaRPr lang="bg-BG"/>
+          </a:p>
+        </p:txBody>
+      </p:sp>
+      <p:sp>
+        <p:nvSpPr>
+          <p:cNvPr id="3" name="Date Placeholder 2"/>
+          <p:cNvSpPr>
+            <a:spLocks noGrp="1"/>
+          </p:cNvSpPr>
+          <p:nvPr>
+            <p:ph type="dt" idx="1"/>
+          </p:nvPr>
+        </p:nvSpPr>
+        <p:spPr>
+          <a:xfrm>
+            <a:off x="3884613" y="0"/>
+            <a:ext cx="2971800" cy="458788"/>
+          </a:xfrm>
+          <a:prstGeom prst="rect">
+            <a:avLst/>
+          </a:prstGeom>
+        </p:spPr>
+        <p:txBody>
+          <a:bodyPr vert="horz" lIns="91440" tIns="45720" rIns="91440" bIns="45720" rtlCol="0"/>
+          <a:lstStyle>
+            <a:lvl1pPr algn="r">
+              <a:defRPr sz="1200"/>
+            </a:lvl1pPr>
+          </a:lstStyle>
+          <a:p>
+            <a:fld id="{ACC7AC7B-A362-4EF5-95CA-BE7B987E4856}" type="datetimeFigureOut">
+              <a:rPr lang="bg-BG" smtClean="0"/>
+              <a:t>23.8.2015 г.</a:t>
+            </a:fld>
+            <a:endParaRPr lang="bg-BG"/>
+          </a:p>
+        </p:txBody>
+      </p:sp>
+      <p:sp>
+        <p:nvSpPr>
+          <p:cNvPr id="4" name="Slide Image Placeholder 3"/>
+          <p:cNvSpPr>
+            <a:spLocks noGrp="1" noRot="1" noChangeAspect="1"/>
+          </p:cNvSpPr>
+          <p:nvPr>
+            <p:ph type="sldImg" idx="2"/>
+          </p:nvPr>
+        </p:nvSpPr>
+        <p:spPr>
+          <a:xfrm>
+            <a:off x="685800" y="1143000"/>
+            <a:ext cx="5486400" cy="3086100"/>
+          </a:xfrm>
+          <a:prstGeom prst="rect">
+            <a:avLst/>
+          </a:prstGeom>
+          <a:noFill/>
+          <a:ln w="12700">
+            <a:solidFill>
+              <a:prstClr val="black"/>
+            </a:solidFill>
+          </a:ln>
+        </p:spPr>
+        <p:txBody>
+          <a:bodyPr vert="horz" lIns="91440" tIns="45720" rIns="91440" bIns="45720" rtlCol="0" anchor="ctr"/>
+          <a:lstStyle/>
+          <a:p>
+            <a:endParaRPr lang="bg-BG"/>
+          </a:p>
+        </p:txBody>
+      </p:sp>
+      <p:sp>
+        <p:nvSpPr>
+          <p:cNvPr id="5" name="Notes Placeholder 4"/>
+          <p:cNvSpPr>
+            <a:spLocks noGrp="1"/>
+          </p:cNvSpPr>
+          <p:nvPr>
+            <p:ph type="body" sz="quarter" idx="3"/>
+          </p:nvPr>
+        </p:nvSpPr>
+        <p:spPr>
+          <a:xfrm>
+            <a:off x="685800" y="4400550"/>
+            <a:ext cx="5486400" cy="3600450"/>
+          </a:xfrm>
+          <a:prstGeom prst="rect">
+            <a:avLst/>
+          </a:prstGeom>
+        </p:spPr>
+        <p:txBody>
+          <a:bodyPr vert="horz" lIns="91440" tIns="45720" rIns="91440" bIns="45720" rtlCol="0"/>
+          <a:lstStyle/>
+          <a:p>
+            <a:pPr lvl="0"/>
+            <a:r>
+              <a:rPr lang="en-US" smtClean="0"/>
+              <a:t>Click to edit Master text styles</a:t>
+            </a:r>
+          </a:p>
+          <a:p>
+            <a:pPr lvl="1"/>
+            <a:r>
+              <a:rPr lang="en-US" smtClean="0"/>
+              <a:t>Second level</a:t>
+            </a:r>
+          </a:p>
+          <a:p>
+            <a:pPr lvl="2"/>
+            <a:r>
+              <a:rPr lang="en-US" smtClean="0"/>
+              <a:t>Third level</a:t>
+            </a:r>
+          </a:p>
+          <a:p>
+            <a:pPr lvl="3"/>
+            <a:r>
+              <a:rPr lang="en-US" smtClean="0"/>
+              <a:t>Fourth level</a:t>
+            </a:r>
+          </a:p>
+          <a:p>
+            <a:pPr lvl="4"/>
+            <a:r>
+              <a:rPr lang="en-US" smtClean="0"/>
+              <a:t>Fifth level</a:t>
+            </a:r>
+            <a:endParaRPr lang="bg-BG"/>
+          </a:p>
+        </p:txBody>
+      </p:sp>
+      <p:sp>
+        <p:nvSpPr>
+          <p:cNvPr id="6" name="Footer Placeholder 5"/>
+          <p:cNvSpPr>
+            <a:spLocks noGrp="1"/>
+          </p:cNvSpPr>
+          <p:nvPr>
+            <p:ph type="ftr" sz="quarter" idx="4"/>
+          </p:nvPr>
+        </p:nvSpPr>
+        <p:spPr>
+          <a:xfrm>
+            <a:off x="0" y="8685213"/>
+            <a:ext cx="2971800" cy="458787"/>
+          </a:xfrm>
+          <a:prstGeom prst="rect">
+            <a:avLst/>
+          </a:prstGeom>
+        </p:spPr>
+        <p:txBody>
+          <a:bodyPr vert="horz" lIns="91440" tIns="45720" rIns="91440" bIns="45720" rtlCol="0" anchor="b"/>
+          <a:lstStyle>
+            <a:lvl1pPr algn="l">
+              <a:defRPr sz="1200"/>
+            </a:lvl1pPr>
+          </a:lstStyle>
+          <a:p>
+            <a:endParaRPr lang="bg-BG"/>
+          </a:p>
+        </p:txBody>
+      </p:sp>
+      <p:sp>
+        <p:nvSpPr>
+          <p:cNvPr id="7" name="Slide Number Placeholder 6"/>
+          <p:cNvSpPr>
+            <a:spLocks noGrp="1"/>
+          </p:cNvSpPr>
+          <p:nvPr>
+            <p:ph type="sldNum" sz="quarter" idx="5"/>
+          </p:nvPr>
+        </p:nvSpPr>
+        <p:spPr>
+          <a:xfrm>
+            <a:off x="3884613" y="8685213"/>
+            <a:ext cx="2971800" cy="458787"/>
+          </a:xfrm>
+          <a:prstGeom prst="rect">
+            <a:avLst/>
+          </a:prstGeom>
+        </p:spPr>
+        <p:txBody>
+          <a:bodyPr vert="horz" lIns="91440" tIns="45720" rIns="91440" bIns="45720" rtlCol="0" anchor="b"/>
+          <a:lstStyle>
+            <a:lvl1pPr algn="r">
+              <a:defRPr sz="1200"/>
+            </a:lvl1pPr>
+          </a:lstStyle>
+          <a:p>
+            <a:fld id="{758787FC-BF5D-410E-B1D0-1C4D7FDE2A82}" type="slidenum">
+              <a:rPr lang="bg-BG" smtClean="0"/>
+              <a:t>‹#›</a:t>
+            </a:fld>
+            <a:endParaRPr lang="bg-BG"/>
+          </a:p>
+        </p:txBody>
+      </p:sp>
+    </p:spTree>
+    <p:extLst>
+      <p:ext uri="{BB962C8B-B14F-4D97-AF65-F5344CB8AC3E}">
+        <p14:creationId xmlns:p14="http://schemas.microsoft.com/office/powerpoint/2010/main" val="3020135984"/>
+      </p:ext>
+    </p:extLst>
+  </p:cSld>
+  <p:clrMap bg1="lt1" tx1="dk1" bg2="lt2" tx2="dk2" accent1="accent1" accent2="accent2" accent3="accent3" accent4="accent4" accent5="accent5" accent6="accent6" hlink="hlink" folHlink="folHlink"/>
+  <p:notesStyle>
+    <a:lvl1pPr marL="0" algn="l" defTabSz="914400" rtl="0" eaLnBrk="1" latinLnBrk="0" hangingPunct="1">
+      <a:defRPr sz="1200" kern="1200">
+        <a:solidFill>
+          <a:schemeClr val="tx1"/>
+        </a:solidFill>
+        <a:latin typeface="+mn-lt"/>
+        <a:ea typeface="+mn-ea"/>
+        <a:cs typeface="+mn-cs"/>
+      </a:defRPr>
+    </a:lvl1pPr>
+    <a:lvl2pPr marL="457200" algn="l" defTabSz="914400" rtl="0" eaLnBrk="1" latinLnBrk="0" hangingPunct="1">
+      <a:defRPr sz="1200" kern="1200">
+        <a:solidFill>
+          <a:schemeClr val="tx1"/>
+        </a:solidFill>
+        <a:latin typeface="+mn-lt"/>
+        <a:ea typeface="+mn-ea"/>
+        <a:cs typeface="+mn-cs"/>
+      </a:defRPr>
+    </a:lvl2pPr>
+    <a:lvl3pPr marL="914400" algn="l" defTabSz="914400" rtl="0" eaLnBrk="1" latinLnBrk="0" hangingPunct="1">
+      <a:defRPr sz="1200" kern="1200">
+        <a:solidFill>
+          <a:schemeClr val="tx1"/>
+        </a:solidFill>
+        <a:latin typeface="+mn-lt"/>
+        <a:ea typeface="+mn-ea"/>
+        <a:cs typeface="+mn-cs"/>
+      </a:defRPr>
+    </a:lvl3pPr>
+    <a:lvl4pPr marL="1371600" algn="l" defTabSz="914400" rtl="0" eaLnBrk="1" latinLnBrk="0" hangingPunct="1">
+      <a:defRPr sz="1200" kern="1200">
+        <a:solidFill>
+          <a:schemeClr val="tx1"/>
+        </a:solidFill>
+        <a:latin typeface="+mn-lt"/>
+        <a:ea typeface="+mn-ea"/>
+        <a:cs typeface="+mn-cs"/>
+      </a:defRPr>
+    </a:lvl4pPr>
+    <a:lvl5pPr marL="1828800" algn="l" defTabSz="914400" rtl="0" eaLnBrk="1" latinLnBrk="0" hangingPunct="1">
+      <a:defRPr sz="1200" kern="1200">
+        <a:solidFill>
+          <a:schemeClr val="tx1"/>
+        </a:solidFill>
+        <a:latin typeface="+mn-lt"/>
+        <a:ea typeface="+mn-ea"/>
+        <a:cs typeface="+mn-cs"/>
+      </a:defRPr>
+    </a:lvl5pPr>
+    <a:lvl6pPr marL="2286000" algn="l" defTabSz="914400" rtl="0" eaLnBrk="1" latinLnBrk="0" hangingPunct="1">
+      <a:defRPr sz="1200" kern="1200">
+        <a:solidFill>
+          <a:schemeClr val="tx1"/>
+        </a:solidFill>
+        <a:latin typeface="+mn-lt"/>
+        <a:ea typeface="+mn-ea"/>
+        <a:cs typeface="+mn-cs"/>
+      </a:defRPr>
+    </a:lvl6pPr>
+    <a:lvl7pPr marL="2743200" algn="l" defTabSz="914400" rtl="0" eaLnBrk="1" latinLnBrk="0" hangingPunct="1">
+      <a:defRPr sz="1200" kern="1200">
+        <a:solidFill>
+          <a:schemeClr val="tx1"/>
+        </a:solidFill>
+        <a:latin typeface="+mn-lt"/>
+        <a:ea typeface="+mn-ea"/>
+        <a:cs typeface="+mn-cs"/>
+      </a:defRPr>
+    </a:lvl7pPr>
+    <a:lvl8pPr marL="3200400" algn="l" defTabSz="914400" rtl="0" eaLnBrk="1" latinLnBrk="0" hangingPunct="1">
+      <a:defRPr sz="1200" kern="1200">
+        <a:solidFill>
+          <a:schemeClr val="tx1"/>
+        </a:solidFill>
+        <a:latin typeface="+mn-lt"/>
+        <a:ea typeface="+mn-ea"/>
+        <a:cs typeface="+mn-cs"/>
+      </a:defRPr>
+    </a:lvl8pPr>
+    <a:lvl9pPr marL="3657600" algn="l" defTabSz="914400" rtl="0" eaLnBrk="1" latinLnBrk="0" hangingPunct="1">
+      <a:defRPr sz="1200" kern="1200">
+        <a:solidFill>
+          <a:schemeClr val="tx1"/>
+        </a:solidFill>
+        <a:latin typeface="+mn-lt"/>
+        <a:ea typeface="+mn-ea"/>
+        <a:cs typeface="+mn-cs"/>
+      </a:defRPr>
+    </a:lvl9pPr>
+  </p:notesStyle>
+</p:notesMaster>
+</file>
+
+<file path=ppt/notesSlides/notesSlide1.xml><?xml version="1.0" encoding="utf-8"?>
+<p:notes xmlns:a="http://schemas.openxmlformats.org/drawingml/2006/main" xmlns:r="http://schemas.openxmlformats.org/officeDocument/2006/relationships" xmlns:p="http://schemas.openxmlformats.org/presentationml/2006/main">
+  <p:cSld>
+    <p:spTree>
+      <p:nvGrpSpPr>
+        <p:cNvPr id="1" name=""/>
+        <p:cNvGrpSpPr/>
+        <p:nvPr/>
+      </p:nvGrpSpPr>
+      <p:grpSpPr>
+        <a:xfrm>
+          <a:off x="0" y="0"/>
+          <a:ext cx="0" cy="0"/>
+          <a:chOff x="0" y="0"/>
+          <a:chExt cx="0" cy="0"/>
+        </a:xfrm>
+      </p:grpSpPr>
+      <p:sp>
+        <p:nvSpPr>
+          <p:cNvPr id="2" name="Slide Image Placeholder 1"/>
+          <p:cNvSpPr>
+            <a:spLocks noGrp="1" noRot="1" noChangeAspect="1"/>
+          </p:cNvSpPr>
+          <p:nvPr>
+            <p:ph type="sldImg"/>
+          </p:nvPr>
+        </p:nvSpPr>
+        <p:spPr/>
+      </p:sp>
+      <p:sp>
+        <p:nvSpPr>
+          <p:cNvPr id="3" name="Notes Placeholder 2"/>
+          <p:cNvSpPr>
+            <a:spLocks noGrp="1"/>
+          </p:cNvSpPr>
+          <p:nvPr>
+            <p:ph type="body" idx="1"/>
+          </p:nvPr>
+        </p:nvSpPr>
+        <p:spPr/>
+        <p:txBody>
+          <a:bodyPr/>
+          <a:lstStyle/>
+          <a:p>
+            <a:endParaRPr lang="bg-BG" dirty="0"/>
+          </a:p>
+        </p:txBody>
+      </p:sp>
+      <p:sp>
+        <p:nvSpPr>
+          <p:cNvPr id="4" name="Slide Number Placeholder 3"/>
+          <p:cNvSpPr>
+            <a:spLocks noGrp="1"/>
+          </p:cNvSpPr>
+          <p:nvPr>
+            <p:ph type="sldNum" sz="quarter" idx="10"/>
+          </p:nvPr>
+        </p:nvSpPr>
+        <p:spPr/>
+        <p:txBody>
+          <a:bodyPr/>
+          <a:lstStyle/>
+          <a:p>
+            <a:fld id="{758787FC-BF5D-410E-B1D0-1C4D7FDE2A82}" type="slidenum">
+              <a:rPr lang="bg-BG" smtClean="0"/>
+              <a:t>4</a:t>
+            </a:fld>
+            <a:endParaRPr lang="bg-BG"/>
+          </a:p>
+        </p:txBody>
+      </p:sp>
+    </p:spTree>
+    <p:extLst>
+      <p:ext uri="{BB962C8B-B14F-4D97-AF65-F5344CB8AC3E}">
+        <p14:creationId xmlns:p14="http://schemas.microsoft.com/office/powerpoint/2010/main" val="2371824684"/>
+      </p:ext>
+    </p:extLst>
+  </p:cSld>
+  <p:clrMapOvr>
+    <a:masterClrMapping/>
+  </p:clrMapOvr>
+</p:notes>
 </file>
 
 <file path=ppt/slideLayouts/slideLayout1.xml><?xml version="1.0" encoding="utf-8"?>
@@ -6124,6 +6569,13 @@
   <p:clrMapOvr>
     <a:masterClrMapping/>
   </p:clrMapOvr>
+  <p:timing>
+    <p:tnLst>
+      <p:par>
+        <p:cTn id="1" dur="indefinite" restart="never" nodeType="tmRoot"/>
+      </p:par>
+    </p:tnLst>
+  </p:timing>
 </p:sld>
 </file>
 
@@ -6159,7 +6611,11 @@
           <a:bodyPr/>
           <a:lstStyle/>
           <a:p>
-            <a:endParaRPr lang="bg-BG"/>
+            <a:r>
+              <a:rPr lang="en-US" dirty="0" smtClean="0"/>
+              <a:t>Software used</a:t>
+            </a:r>
+            <a:endParaRPr lang="bg-BG" dirty="0"/>
           </a:p>
         </p:txBody>
       </p:sp>
@@ -6173,15 +6629,370 @@
             <p:ph idx="1"/>
           </p:nvPr>
         </p:nvSpPr>
-        <p:spPr/>
+        <p:spPr>
+          <a:xfrm>
+            <a:off x="1103312" y="2052918"/>
+            <a:ext cx="8946541" cy="714033"/>
+          </a:xfrm>
+        </p:spPr>
         <p:txBody>
           <a:bodyPr/>
           <a:lstStyle/>
           <a:p>
-            <a:endParaRPr lang="bg-BG"/>
-          </a:p>
-        </p:txBody>
-      </p:sp>
+            <a:r>
+              <a:rPr lang="en-US" dirty="0" smtClean="0"/>
+              <a:t>GitHub, HTML, CSS</a:t>
+            </a:r>
+            <a:r>
+              <a:rPr lang="en-US" dirty="0"/>
+              <a:t>, JavaScript, </a:t>
+            </a:r>
+            <a:r>
+              <a:rPr lang="en-US" dirty="0" smtClean="0"/>
+              <a:t>JQuery, Maven, INTELIJ, </a:t>
+            </a:r>
+            <a:r>
+              <a:rPr lang="en-US" dirty="0" err="1" smtClean="0"/>
+              <a:t>WebStorm</a:t>
+            </a:r>
+            <a:r>
+              <a:rPr lang="en-US" dirty="0" smtClean="0"/>
+              <a:t>, XAMPP, Microsoft Office, Skype</a:t>
+            </a:r>
+            <a:endParaRPr lang="bg-BG" dirty="0"/>
+          </a:p>
+        </p:txBody>
+      </p:sp>
+      <p:pic>
+        <p:nvPicPr>
+          <p:cNvPr id="4" name="Picture 3"/>
+          <p:cNvPicPr>
+            <a:picLocks noChangeAspect="1"/>
+          </p:cNvPicPr>
+          <p:nvPr/>
+        </p:nvPicPr>
+        <p:blipFill>
+          <a:blip r:embed="rId2" cstate="print">
+            <a:extLst>
+              <a:ext uri="{28A0092B-C50C-407E-A947-70E740481C1C}">
+                <a14:useLocalDpi xmlns:a14="http://schemas.microsoft.com/office/drawing/2010/main" val="0"/>
+              </a:ext>
+            </a:extLst>
+          </a:blip>
+          <a:stretch>
+            <a:fillRect/>
+          </a:stretch>
+        </p:blipFill>
+        <p:spPr>
+          <a:xfrm>
+            <a:off x="1103312" y="2895369"/>
+            <a:ext cx="1254550" cy="733912"/>
+          </a:xfrm>
+          <a:prstGeom prst="rect">
+            <a:avLst/>
+          </a:prstGeom>
+        </p:spPr>
+      </p:pic>
+      <p:pic>
+        <p:nvPicPr>
+          <p:cNvPr id="5" name="Picture 4"/>
+          <p:cNvPicPr>
+            <a:picLocks noChangeAspect="1"/>
+          </p:cNvPicPr>
+          <p:nvPr/>
+        </p:nvPicPr>
+        <p:blipFill>
+          <a:blip r:embed="rId3" cstate="print">
+            <a:extLst>
+              <a:ext uri="{28A0092B-C50C-407E-A947-70E740481C1C}">
+                <a14:useLocalDpi xmlns:a14="http://schemas.microsoft.com/office/drawing/2010/main" val="0"/>
+              </a:ext>
+            </a:extLst>
+          </a:blip>
+          <a:stretch>
+            <a:fillRect/>
+          </a:stretch>
+        </p:blipFill>
+        <p:spPr>
+          <a:xfrm>
+            <a:off x="2704269" y="2804935"/>
+            <a:ext cx="824346" cy="824346"/>
+          </a:xfrm>
+          <a:prstGeom prst="rect">
+            <a:avLst/>
+          </a:prstGeom>
+        </p:spPr>
+      </p:pic>
+      <p:pic>
+        <p:nvPicPr>
+          <p:cNvPr id="7" name="Picture 6"/>
+          <p:cNvPicPr>
+            <a:picLocks noChangeAspect="1"/>
+          </p:cNvPicPr>
+          <p:nvPr/>
+        </p:nvPicPr>
+        <p:blipFill>
+          <a:blip r:embed="rId4" cstate="print">
+            <a:extLst>
+              <a:ext uri="{28A0092B-C50C-407E-A947-70E740481C1C}">
+                <a14:useLocalDpi xmlns:a14="http://schemas.microsoft.com/office/drawing/2010/main" val="0"/>
+              </a:ext>
+            </a:extLst>
+          </a:blip>
+          <a:stretch>
+            <a:fillRect/>
+          </a:stretch>
+        </p:blipFill>
+        <p:spPr>
+          <a:xfrm>
+            <a:off x="6189633" y="2885601"/>
+            <a:ext cx="1945230" cy="714119"/>
+          </a:xfrm>
+          <a:prstGeom prst="rect">
+            <a:avLst/>
+          </a:prstGeom>
+        </p:spPr>
+      </p:pic>
+      <p:pic>
+        <p:nvPicPr>
+          <p:cNvPr id="8" name="Picture 7"/>
+          <p:cNvPicPr>
+            <a:picLocks noChangeAspect="1"/>
+          </p:cNvPicPr>
+          <p:nvPr/>
+        </p:nvPicPr>
+        <p:blipFill>
+          <a:blip r:embed="rId5">
+            <a:extLst>
+              <a:ext uri="{28A0092B-C50C-407E-A947-70E740481C1C}">
+                <a14:useLocalDpi xmlns:a14="http://schemas.microsoft.com/office/drawing/2010/main" val="0"/>
+              </a:ext>
+            </a:extLst>
+          </a:blip>
+          <a:stretch>
+            <a:fillRect/>
+          </a:stretch>
+        </p:blipFill>
+        <p:spPr>
+          <a:xfrm>
+            <a:off x="8758866" y="2885601"/>
+            <a:ext cx="788897" cy="788897"/>
+          </a:xfrm>
+          <a:prstGeom prst="rect">
+            <a:avLst/>
+          </a:prstGeom>
+        </p:spPr>
+      </p:pic>
+      <p:pic>
+        <p:nvPicPr>
+          <p:cNvPr id="9" name="Picture 8"/>
+          <p:cNvPicPr>
+            <a:picLocks noChangeAspect="1"/>
+          </p:cNvPicPr>
+          <p:nvPr/>
+        </p:nvPicPr>
+        <p:blipFill>
+          <a:blip r:embed="rId6">
+            <a:extLst>
+              <a:ext uri="{28A0092B-C50C-407E-A947-70E740481C1C}">
+                <a14:useLocalDpi xmlns:a14="http://schemas.microsoft.com/office/drawing/2010/main" val="0"/>
+              </a:ext>
+            </a:extLst>
+          </a:blip>
+          <a:stretch>
+            <a:fillRect/>
+          </a:stretch>
+        </p:blipFill>
+        <p:spPr>
+          <a:xfrm>
+            <a:off x="1103312" y="4225906"/>
+            <a:ext cx="830122" cy="830122"/>
+          </a:xfrm>
+          <a:prstGeom prst="rect">
+            <a:avLst/>
+          </a:prstGeom>
+        </p:spPr>
+      </p:pic>
+      <p:pic>
+        <p:nvPicPr>
+          <p:cNvPr id="10" name="Picture 9"/>
+          <p:cNvPicPr>
+            <a:picLocks noChangeAspect="1"/>
+          </p:cNvPicPr>
+          <p:nvPr/>
+        </p:nvPicPr>
+        <p:blipFill>
+          <a:blip r:embed="rId7" cstate="print">
+            <a:extLst>
+              <a:ext uri="{28A0092B-C50C-407E-A947-70E740481C1C}">
+                <a14:useLocalDpi xmlns:a14="http://schemas.microsoft.com/office/drawing/2010/main" val="0"/>
+              </a:ext>
+            </a:extLst>
+          </a:blip>
+          <a:stretch>
+            <a:fillRect/>
+          </a:stretch>
+        </p:blipFill>
+        <p:spPr>
+          <a:xfrm>
+            <a:off x="6327998" y="4225906"/>
+            <a:ext cx="798993" cy="830122"/>
+          </a:xfrm>
+          <a:prstGeom prst="rect">
+            <a:avLst/>
+          </a:prstGeom>
+        </p:spPr>
+      </p:pic>
+      <p:pic>
+        <p:nvPicPr>
+          <p:cNvPr id="11" name="Picture 10"/>
+          <p:cNvPicPr>
+            <a:picLocks noChangeAspect="1"/>
+          </p:cNvPicPr>
+          <p:nvPr/>
+        </p:nvPicPr>
+        <p:blipFill>
+          <a:blip r:embed="rId8" cstate="print">
+            <a:extLst>
+              <a:ext uri="{28A0092B-C50C-407E-A947-70E740481C1C}">
+                <a14:useLocalDpi xmlns:a14="http://schemas.microsoft.com/office/drawing/2010/main" val="0"/>
+              </a:ext>
+            </a:extLst>
+          </a:blip>
+          <a:stretch>
+            <a:fillRect/>
+          </a:stretch>
+        </p:blipFill>
+        <p:spPr>
+          <a:xfrm>
+            <a:off x="7479557" y="4225906"/>
+            <a:ext cx="1106830" cy="830122"/>
+          </a:xfrm>
+          <a:prstGeom prst="rect">
+            <a:avLst/>
+          </a:prstGeom>
+        </p:spPr>
+      </p:pic>
+      <p:pic>
+        <p:nvPicPr>
+          <p:cNvPr id="12" name="Picture 11"/>
+          <p:cNvPicPr>
+            <a:picLocks noChangeAspect="1"/>
+          </p:cNvPicPr>
+          <p:nvPr/>
+        </p:nvPicPr>
+        <p:blipFill>
+          <a:blip r:embed="rId9" cstate="print">
+            <a:extLst>
+              <a:ext uri="{28A0092B-C50C-407E-A947-70E740481C1C}">
+                <a14:useLocalDpi xmlns:a14="http://schemas.microsoft.com/office/drawing/2010/main" val="0"/>
+              </a:ext>
+            </a:extLst>
+          </a:blip>
+          <a:stretch>
+            <a:fillRect/>
+          </a:stretch>
+        </p:blipFill>
+        <p:spPr>
+          <a:xfrm>
+            <a:off x="8938953" y="4225906"/>
+            <a:ext cx="608810" cy="830122"/>
+          </a:xfrm>
+          <a:prstGeom prst="rect">
+            <a:avLst/>
+          </a:prstGeom>
+        </p:spPr>
+      </p:pic>
+      <p:pic>
+        <p:nvPicPr>
+          <p:cNvPr id="13" name="Picture 12"/>
+          <p:cNvPicPr>
+            <a:picLocks noChangeAspect="1"/>
+          </p:cNvPicPr>
+          <p:nvPr/>
+        </p:nvPicPr>
+        <p:blipFill>
+          <a:blip r:embed="rId10" cstate="print">
+            <a:extLst>
+              <a:ext uri="{28A0092B-C50C-407E-A947-70E740481C1C}">
+                <a14:useLocalDpi xmlns:a14="http://schemas.microsoft.com/office/drawing/2010/main" val="0"/>
+              </a:ext>
+            </a:extLst>
+          </a:blip>
+          <a:stretch>
+            <a:fillRect/>
+          </a:stretch>
+        </p:blipFill>
+        <p:spPr>
+          <a:xfrm>
+            <a:off x="4880082" y="2850152"/>
+            <a:ext cx="824346" cy="824346"/>
+          </a:xfrm>
+          <a:prstGeom prst="rect">
+            <a:avLst/>
+          </a:prstGeom>
+        </p:spPr>
+      </p:pic>
+      <p:pic>
+        <p:nvPicPr>
+          <p:cNvPr id="14" name="Picture 13"/>
+          <p:cNvPicPr>
+            <a:picLocks noChangeAspect="1"/>
+          </p:cNvPicPr>
+          <p:nvPr/>
+        </p:nvPicPr>
+        <p:blipFill>
+          <a:blip r:embed="rId11" cstate="print">
+            <a:extLst>
+              <a:ext uri="{28A0092B-C50C-407E-A947-70E740481C1C}">
+                <a14:useLocalDpi xmlns:a14="http://schemas.microsoft.com/office/drawing/2010/main" val="0"/>
+              </a:ext>
+            </a:extLst>
+          </a:blip>
+          <a:stretch>
+            <a:fillRect/>
+          </a:stretch>
+        </p:blipFill>
+        <p:spPr>
+          <a:xfrm>
+            <a:off x="3875023" y="2885601"/>
+            <a:ext cx="519854" cy="733912"/>
+          </a:xfrm>
+          <a:prstGeom prst="rect">
+            <a:avLst/>
+          </a:prstGeom>
+        </p:spPr>
+      </p:pic>
+      <p:pic>
+        <p:nvPicPr>
+          <p:cNvPr id="15" name="Picture 14"/>
+          <p:cNvPicPr>
+            <a:picLocks noChangeAspect="1"/>
+          </p:cNvPicPr>
+          <p:nvPr/>
+        </p:nvPicPr>
+        <p:blipFill>
+          <a:blip r:embed="rId12">
+            <a:extLst>
+              <a:ext uri="{28A0092B-C50C-407E-A947-70E740481C1C}">
+                <a14:useLocalDpi xmlns:a14="http://schemas.microsoft.com/office/drawing/2010/main" val="0"/>
+              </a:ext>
+            </a:extLst>
+          </a:blip>
+          <a:stretch>
+            <a:fillRect/>
+          </a:stretch>
+        </p:blipFill>
+        <p:spPr>
+          <a:xfrm>
+            <a:off x="2286000" y="4225906"/>
+            <a:ext cx="3689432" cy="830122"/>
+          </a:xfrm>
+          <a:prstGeom prst="rect">
+            <a:avLst/>
+          </a:prstGeom>
+        </p:spPr>
+      </p:pic>
     </p:spTree>
     <p:extLst>
       <p:ext uri="{BB962C8B-B14F-4D97-AF65-F5344CB8AC3E}">
@@ -6192,6 +7003,721 @@
   <p:clrMapOvr>
     <a:masterClrMapping/>
   </p:clrMapOvr>
+</p:sld>
+</file>
+
+<file path=ppt/slides/slide3.xml><?xml version="1.0" encoding="utf-8"?>
+<p:sld xmlns:a="http://schemas.openxmlformats.org/drawingml/2006/main" xmlns:r="http://schemas.openxmlformats.org/officeDocument/2006/relationships" xmlns:p="http://schemas.openxmlformats.org/presentationml/2006/main">
+  <p:cSld>
+    <p:spTree>
+      <p:nvGrpSpPr>
+        <p:cNvPr id="1" name=""/>
+        <p:cNvGrpSpPr/>
+        <p:nvPr/>
+      </p:nvGrpSpPr>
+      <p:grpSpPr>
+        <a:xfrm>
+          <a:off x="0" y="0"/>
+          <a:ext cx="0" cy="0"/>
+          <a:chOff x="0" y="0"/>
+          <a:chExt cx="0" cy="0"/>
+        </a:xfrm>
+      </p:grpSpPr>
+      <p:sp>
+        <p:nvSpPr>
+          <p:cNvPr id="2" name="Title 1"/>
+          <p:cNvSpPr>
+            <a:spLocks noGrp="1"/>
+          </p:cNvSpPr>
+          <p:nvPr>
+            <p:ph type="title"/>
+          </p:nvPr>
+        </p:nvSpPr>
+        <p:spPr/>
+        <p:txBody>
+          <a:bodyPr/>
+          <a:lstStyle/>
+          <a:p>
+            <a:r>
+              <a:rPr lang="en-US" dirty="0" smtClean="0"/>
+              <a:t>Overall Coverage </a:t>
+            </a:r>
+            <a:endParaRPr lang="bg-BG" dirty="0"/>
+          </a:p>
+        </p:txBody>
+      </p:sp>
+      <p:sp>
+        <p:nvSpPr>
+          <p:cNvPr id="3" name="Content Placeholder 2"/>
+          <p:cNvSpPr>
+            <a:spLocks noGrp="1"/>
+          </p:cNvSpPr>
+          <p:nvPr>
+            <p:ph idx="1"/>
+          </p:nvPr>
+        </p:nvSpPr>
+        <p:spPr>
+          <a:xfrm>
+            <a:off x="1103312" y="1531918"/>
+            <a:ext cx="8946541" cy="4716482"/>
+          </a:xfrm>
+        </p:spPr>
+        <p:txBody>
+          <a:bodyPr/>
+          <a:lstStyle/>
+          <a:p>
+            <a:r>
+              <a:rPr lang="en-US" dirty="0" smtClean="0"/>
+              <a:t>Number of Positive Test Cases: 34</a:t>
+            </a:r>
+            <a:endParaRPr lang="bg-BG" dirty="0"/>
+          </a:p>
+          <a:p>
+            <a:r>
+              <a:rPr lang="en-US" dirty="0" smtClean="0"/>
+              <a:t>Number of Negative Test Cases: 26</a:t>
+            </a:r>
+          </a:p>
+          <a:p>
+            <a:r>
+              <a:rPr lang="en-US" dirty="0" smtClean="0"/>
+              <a:t>Overall: 60 with 21 </a:t>
+            </a:r>
+            <a:r>
+              <a:rPr lang="en-US" dirty="0"/>
+              <a:t>additional </a:t>
+            </a:r>
+            <a:r>
+              <a:rPr lang="en-US" dirty="0" smtClean="0"/>
+              <a:t>Iterations, covering </a:t>
+            </a:r>
+            <a:r>
+              <a:rPr lang="en-US" dirty="0"/>
+              <a:t>approximately </a:t>
+            </a:r>
+            <a:r>
+              <a:rPr lang="en-US" dirty="0" smtClean="0"/>
+              <a:t>80%</a:t>
+            </a:r>
+          </a:p>
+          <a:p>
+            <a:r>
+              <a:rPr lang="en-US" dirty="0" smtClean="0"/>
+              <a:t>Number of Test </a:t>
+            </a:r>
+            <a:r>
+              <a:rPr lang="en-US" dirty="0"/>
+              <a:t>Cases Automated: 11 </a:t>
+            </a:r>
+            <a:r>
+              <a:rPr lang="en-US" dirty="0" smtClean="0"/>
+              <a:t>approximately 10%</a:t>
+            </a:r>
+          </a:p>
+          <a:p>
+            <a:r>
+              <a:rPr lang="en-US" dirty="0" smtClean="0"/>
+              <a:t>Number of Use Cases: 11 </a:t>
+            </a:r>
+            <a:r>
+              <a:rPr lang="en-US" dirty="0"/>
+              <a:t>approximately </a:t>
+            </a:r>
+            <a:r>
+              <a:rPr lang="en-US" dirty="0" smtClean="0"/>
+              <a:t>85-90%</a:t>
+            </a:r>
+          </a:p>
+          <a:p>
+            <a:r>
+              <a:rPr lang="en-US" dirty="0" smtClean="0"/>
+              <a:t>Number of User Stories: 14 </a:t>
+            </a:r>
+            <a:r>
+              <a:rPr lang="en-US" dirty="0"/>
+              <a:t>approximately </a:t>
+            </a:r>
+            <a:r>
+              <a:rPr lang="en-US" dirty="0" smtClean="0"/>
+              <a:t>90-95%</a:t>
+            </a:r>
+          </a:p>
+        </p:txBody>
+      </p:sp>
+    </p:spTree>
+    <p:extLst>
+      <p:ext uri="{BB962C8B-B14F-4D97-AF65-F5344CB8AC3E}">
+        <p14:creationId xmlns:p14="http://schemas.microsoft.com/office/powerpoint/2010/main" val="1885475930"/>
+      </p:ext>
+    </p:extLst>
+  </p:cSld>
+  <p:clrMapOvr>
+    <a:masterClrMapping/>
+  </p:clrMapOvr>
+</p:sld>
+</file>
+
+<file path=ppt/slides/slide4.xml><?xml version="1.0" encoding="utf-8"?>
+<p:sld xmlns:a="http://schemas.openxmlformats.org/drawingml/2006/main" xmlns:r="http://schemas.openxmlformats.org/officeDocument/2006/relationships" xmlns:p="http://schemas.openxmlformats.org/presentationml/2006/main">
+  <p:cSld>
+    <p:spTree>
+      <p:nvGrpSpPr>
+        <p:cNvPr id="1" name=""/>
+        <p:cNvGrpSpPr/>
+        <p:nvPr/>
+      </p:nvGrpSpPr>
+      <p:grpSpPr>
+        <a:xfrm>
+          <a:off x="0" y="0"/>
+          <a:ext cx="0" cy="0"/>
+          <a:chOff x="0" y="0"/>
+          <a:chExt cx="0" cy="0"/>
+        </a:xfrm>
+      </p:grpSpPr>
+      <p:sp>
+        <p:nvSpPr>
+          <p:cNvPr id="2" name="Title 1"/>
+          <p:cNvSpPr>
+            <a:spLocks noGrp="1"/>
+          </p:cNvSpPr>
+          <p:nvPr>
+            <p:ph type="title"/>
+          </p:nvPr>
+        </p:nvSpPr>
+        <p:spPr/>
+        <p:txBody>
+          <a:bodyPr/>
+          <a:lstStyle/>
+          <a:p>
+            <a:r>
+              <a:rPr lang="en-US" dirty="0" smtClean="0"/>
+              <a:t>SRS Coverage</a:t>
+            </a:r>
+            <a:endParaRPr lang="bg-BG" dirty="0"/>
+          </a:p>
+        </p:txBody>
+      </p:sp>
+      <p:sp>
+        <p:nvSpPr>
+          <p:cNvPr id="6" name="Text Placeholder 5"/>
+          <p:cNvSpPr>
+            <a:spLocks noGrp="1"/>
+          </p:cNvSpPr>
+          <p:nvPr>
+            <p:ph type="body" sz="half" idx="15"/>
+          </p:nvPr>
+        </p:nvSpPr>
+        <p:spPr>
+          <a:xfrm>
+            <a:off x="652463" y="1310640"/>
+            <a:ext cx="2927350" cy="4945698"/>
+          </a:xfrm>
+        </p:spPr>
+        <p:txBody>
+          <a:bodyPr>
+            <a:normAutofit fontScale="77500" lnSpcReduction="20000"/>
+          </a:bodyPr>
+          <a:lstStyle/>
+          <a:p>
+            <a:pPr lvl="0"/>
+            <a:r>
+              <a:rPr lang="en-US" b="1" dirty="0" smtClean="0"/>
+              <a:t>1. Introduction</a:t>
+            </a:r>
+            <a:r>
+              <a:rPr lang="en-US" b="1" dirty="0"/>
+              <a:t>				</a:t>
+            </a:r>
+            <a:endParaRPr lang="bg-BG" dirty="0"/>
+          </a:p>
+          <a:p>
+            <a:r>
+              <a:rPr lang="en-US" b="1" dirty="0"/>
+              <a:t>1.1 Purpose				</a:t>
+            </a:r>
+            <a:endParaRPr lang="en-US" b="1" dirty="0" smtClean="0"/>
+          </a:p>
+          <a:p>
+            <a:r>
+              <a:rPr lang="en-US" b="1" dirty="0" smtClean="0"/>
+              <a:t>1.2 </a:t>
+            </a:r>
+            <a:r>
+              <a:rPr lang="en-US" b="1" dirty="0"/>
+              <a:t>Document Conventions		</a:t>
+            </a:r>
+            <a:endParaRPr lang="en-US" b="1" dirty="0" smtClean="0"/>
+          </a:p>
+          <a:p>
+            <a:r>
+              <a:rPr lang="en-US" b="1" dirty="0" smtClean="0"/>
+              <a:t>1.3 </a:t>
+            </a:r>
+            <a:r>
+              <a:rPr lang="en-US" b="1" dirty="0"/>
+              <a:t>Intended Audience and Reading Suggestions		</a:t>
+            </a:r>
+            <a:endParaRPr lang="en-US" b="1" dirty="0" smtClean="0"/>
+          </a:p>
+          <a:p>
+            <a:r>
+              <a:rPr lang="en-US" b="1" dirty="0" smtClean="0"/>
+              <a:t>1.4 </a:t>
+            </a:r>
+            <a:r>
+              <a:rPr lang="en-US" b="1" dirty="0"/>
+              <a:t>Product Scope			</a:t>
+            </a:r>
+            <a:endParaRPr lang="en-US" b="1" dirty="0" smtClean="0"/>
+          </a:p>
+          <a:p>
+            <a:r>
+              <a:rPr lang="en-US" b="1" dirty="0" smtClean="0"/>
+              <a:t>1.5 </a:t>
+            </a:r>
+            <a:r>
+              <a:rPr lang="en-US" b="1" dirty="0"/>
+              <a:t>Business Goal			</a:t>
+            </a:r>
+            <a:endParaRPr lang="en-US" b="1" dirty="0" smtClean="0"/>
+          </a:p>
+          <a:p>
+            <a:r>
+              <a:rPr lang="en-US" b="1" dirty="0" smtClean="0"/>
+              <a:t>1.6 </a:t>
+            </a:r>
+            <a:r>
+              <a:rPr lang="en-US" b="1" dirty="0"/>
+              <a:t>References Buyer Business Benefits			</a:t>
+            </a:r>
+            <a:endParaRPr lang="en-US" b="1" dirty="0" smtClean="0"/>
+          </a:p>
+          <a:p>
+            <a:endParaRPr lang="en-US" b="1" dirty="0" smtClean="0"/>
+          </a:p>
+          <a:p>
+            <a:r>
+              <a:rPr lang="en-US" b="1" dirty="0" smtClean="0"/>
+              <a:t>2. Overall </a:t>
+            </a:r>
+            <a:r>
+              <a:rPr lang="en-US" b="1" dirty="0"/>
+              <a:t>Description	</a:t>
+            </a:r>
+            <a:endParaRPr lang="en-US" b="1" dirty="0" smtClean="0"/>
+          </a:p>
+          <a:p>
+            <a:r>
+              <a:rPr lang="en-US" b="1" dirty="0" smtClean="0"/>
+              <a:t>2.1 </a:t>
+            </a:r>
+            <a:r>
+              <a:rPr lang="en-US" b="1" dirty="0"/>
+              <a:t>Product </a:t>
+            </a:r>
+            <a:r>
+              <a:rPr lang="en-US" b="1" dirty="0" smtClean="0"/>
+              <a:t>perspective</a:t>
+            </a:r>
+          </a:p>
+          <a:p>
+            <a:r>
+              <a:rPr lang="en-US" b="1" dirty="0" smtClean="0"/>
+              <a:t>2.2 Product </a:t>
+            </a:r>
+            <a:r>
+              <a:rPr lang="en-US" b="1" dirty="0"/>
+              <a:t>features			</a:t>
+            </a:r>
+            <a:endParaRPr lang="en-US" b="1" dirty="0" smtClean="0"/>
+          </a:p>
+          <a:p>
+            <a:r>
+              <a:rPr lang="en-US" b="1" dirty="0" smtClean="0"/>
+              <a:t>2.3 </a:t>
+            </a:r>
+            <a:r>
+              <a:rPr lang="en-US" b="1" dirty="0"/>
+              <a:t>Product classes and </a:t>
+            </a:r>
+            <a:r>
+              <a:rPr lang="en-US" b="1" dirty="0" smtClean="0"/>
+              <a:t>characteristics</a:t>
+            </a:r>
+          </a:p>
+          <a:p>
+            <a:r>
+              <a:rPr lang="en-US" b="1" dirty="0" smtClean="0"/>
+              <a:t>2.4 </a:t>
+            </a:r>
+            <a:r>
+              <a:rPr lang="en-US" b="1" dirty="0"/>
+              <a:t>Operating environment		</a:t>
+            </a:r>
+            <a:endParaRPr lang="en-US" b="1" dirty="0" smtClean="0"/>
+          </a:p>
+          <a:p>
+            <a:r>
+              <a:rPr lang="en-US" b="1" dirty="0" smtClean="0"/>
+              <a:t>2.5 </a:t>
+            </a:r>
+            <a:r>
+              <a:rPr lang="en-US" b="1" dirty="0"/>
+              <a:t>Design and implementation constraints		</a:t>
+            </a:r>
+            <a:endParaRPr lang="bg-BG" dirty="0"/>
+          </a:p>
+          <a:p>
+            <a:r>
+              <a:rPr lang="en-US" b="1" dirty="0" smtClean="0"/>
+              <a:t>2.6 </a:t>
+            </a:r>
+            <a:r>
+              <a:rPr lang="en-US" b="1" dirty="0"/>
+              <a:t>User documentations		</a:t>
+            </a:r>
+            <a:endParaRPr lang="en-US" b="1" dirty="0" smtClean="0"/>
+          </a:p>
+          <a:p>
+            <a:r>
+              <a:rPr lang="en-US" b="1" dirty="0" smtClean="0"/>
+              <a:t>2.7 </a:t>
+            </a:r>
+            <a:r>
+              <a:rPr lang="en-US" b="1" dirty="0"/>
+              <a:t>Assumptions and dependencies				</a:t>
+            </a:r>
+            <a:endParaRPr lang="bg-BG" dirty="0"/>
+          </a:p>
+          <a:p>
+            <a:endParaRPr lang="bg-BG" dirty="0"/>
+          </a:p>
+        </p:txBody>
+      </p:sp>
+      <p:sp>
+        <p:nvSpPr>
+          <p:cNvPr id="7" name="Text Placeholder 6"/>
+          <p:cNvSpPr>
+            <a:spLocks noGrp="1"/>
+          </p:cNvSpPr>
+          <p:nvPr>
+            <p:ph type="body" sz="half" idx="16"/>
+          </p:nvPr>
+        </p:nvSpPr>
+        <p:spPr>
+          <a:xfrm>
+            <a:off x="3873106" y="1310640"/>
+            <a:ext cx="2946794" cy="4945698"/>
+          </a:xfrm>
+        </p:spPr>
+        <p:txBody>
+          <a:bodyPr>
+            <a:normAutofit fontScale="62500" lnSpcReduction="20000"/>
+          </a:bodyPr>
+          <a:lstStyle/>
+          <a:p>
+            <a:pPr lvl="0"/>
+            <a:r>
+              <a:rPr lang="en-US" b="1" dirty="0" smtClean="0"/>
+              <a:t>3. System </a:t>
+            </a:r>
+            <a:r>
+              <a:rPr lang="en-US" b="1" dirty="0"/>
+              <a:t>Features			</a:t>
+            </a:r>
+            <a:endParaRPr lang="en-US" b="1" dirty="0" smtClean="0"/>
+          </a:p>
+          <a:p>
+            <a:pPr lvl="0"/>
+            <a:r>
+              <a:rPr lang="en-US" b="1" dirty="0" smtClean="0"/>
+              <a:t>3.1 </a:t>
+            </a:r>
+            <a:r>
+              <a:rPr lang="en-US" b="1" dirty="0"/>
+              <a:t>Secure login to interface		</a:t>
+            </a:r>
+            <a:endParaRPr lang="en-US" b="1" dirty="0" smtClean="0"/>
+          </a:p>
+          <a:p>
+            <a:pPr lvl="0"/>
+            <a:r>
+              <a:rPr lang="en-US" b="1" dirty="0" smtClean="0"/>
+              <a:t>3.2 </a:t>
+            </a:r>
+            <a:r>
+              <a:rPr lang="en-US" b="1" dirty="0"/>
+              <a:t>Secure registration form					</a:t>
+            </a:r>
+            <a:endParaRPr lang="bg-BG" dirty="0"/>
+          </a:p>
+          <a:p>
+            <a:pPr lvl="0"/>
+            <a:r>
+              <a:rPr lang="en-US" b="1" dirty="0" smtClean="0"/>
+              <a:t>4. External </a:t>
+            </a:r>
+            <a:r>
+              <a:rPr lang="en-US" b="1" dirty="0"/>
+              <a:t>Interface Requirement	</a:t>
+            </a:r>
+            <a:endParaRPr lang="en-US" b="1" dirty="0" smtClean="0"/>
+          </a:p>
+          <a:p>
+            <a:pPr lvl="0"/>
+            <a:r>
+              <a:rPr lang="en-US" b="1" dirty="0" smtClean="0"/>
+              <a:t>4.1 </a:t>
+            </a:r>
+            <a:r>
+              <a:rPr lang="en-US" b="1" dirty="0"/>
+              <a:t>User </a:t>
+            </a:r>
+            <a:r>
+              <a:rPr lang="en-US" b="1" dirty="0" smtClean="0"/>
+              <a:t>Interface</a:t>
+            </a:r>
+          </a:p>
+          <a:p>
+            <a:pPr lvl="0"/>
+            <a:r>
+              <a:rPr lang="en-US" b="1" dirty="0"/>
+              <a:t>						</a:t>
+            </a:r>
+            <a:endParaRPr lang="bg-BG" dirty="0"/>
+          </a:p>
+          <a:p>
+            <a:pPr lvl="0"/>
+            <a:r>
+              <a:rPr lang="en-US" b="1" dirty="0" smtClean="0"/>
+              <a:t>5. Functional </a:t>
+            </a:r>
+            <a:r>
+              <a:rPr lang="en-US" b="1" dirty="0"/>
+              <a:t>Requirement		</a:t>
+            </a:r>
+            <a:endParaRPr lang="en-US" b="1" dirty="0" smtClean="0"/>
+          </a:p>
+          <a:p>
+            <a:pPr lvl="0"/>
+            <a:r>
+              <a:rPr lang="en-US" b="1" dirty="0" smtClean="0"/>
+              <a:t>5.1 </a:t>
+            </a:r>
+            <a:r>
+              <a:rPr lang="en-US" b="1" dirty="0"/>
+              <a:t>Some actions do not require any registration	</a:t>
+            </a:r>
+          </a:p>
+          <a:p>
+            <a:pPr lvl="0"/>
+            <a:r>
+              <a:rPr lang="en-US" b="1" dirty="0"/>
+              <a:t>	</a:t>
+            </a:r>
+            <a:endParaRPr lang="bg-BG" b="1" dirty="0"/>
+          </a:p>
+          <a:p>
+            <a:pPr lvl="0"/>
+            <a:r>
+              <a:rPr lang="en-US" b="1" dirty="0" smtClean="0"/>
+              <a:t>6. Other </a:t>
+            </a:r>
+            <a:r>
+              <a:rPr lang="en-US" b="1" dirty="0"/>
+              <a:t>Nonfunctional </a:t>
+            </a:r>
+            <a:r>
+              <a:rPr lang="en-US" b="1" dirty="0" smtClean="0"/>
+              <a:t>Requirement</a:t>
+            </a:r>
+          </a:p>
+          <a:p>
+            <a:pPr lvl="0"/>
+            <a:r>
+              <a:rPr lang="en-US" b="1" dirty="0" smtClean="0"/>
+              <a:t>6.1 </a:t>
+            </a:r>
+            <a:r>
+              <a:rPr lang="en-US" b="1" dirty="0"/>
+              <a:t>Performance Requirement		</a:t>
+            </a:r>
+            <a:endParaRPr lang="en-US" b="1" dirty="0" smtClean="0"/>
+          </a:p>
+          <a:p>
+            <a:pPr lvl="0"/>
+            <a:r>
+              <a:rPr lang="en-US" b="1" dirty="0" smtClean="0"/>
+              <a:t>6.2 </a:t>
+            </a:r>
+            <a:r>
+              <a:rPr lang="en-US" b="1" dirty="0"/>
+              <a:t>Safety Requirement	</a:t>
+            </a:r>
+            <a:endParaRPr lang="en-US" b="1" dirty="0" smtClean="0"/>
+          </a:p>
+          <a:p>
+            <a:pPr lvl="0"/>
+            <a:r>
+              <a:rPr lang="en-US" b="1" dirty="0" smtClean="0"/>
+              <a:t>6.3 </a:t>
+            </a:r>
+            <a:r>
+              <a:rPr lang="en-US" b="1" dirty="0"/>
+              <a:t>Security Requirement	</a:t>
+            </a:r>
+            <a:endParaRPr lang="en-US" b="1" dirty="0" smtClean="0"/>
+          </a:p>
+          <a:p>
+            <a:pPr lvl="0"/>
+            <a:endParaRPr lang="en-US" b="1" dirty="0" smtClean="0"/>
+          </a:p>
+          <a:p>
+            <a:pPr lvl="0"/>
+            <a:r>
+              <a:rPr lang="en-US" b="1" dirty="0" smtClean="0"/>
+              <a:t>7. Definitions</a:t>
+            </a:r>
+            <a:r>
+              <a:rPr lang="en-US" b="1" dirty="0"/>
+              <a:t>		</a:t>
+            </a:r>
+            <a:endParaRPr lang="en-US" b="1" dirty="0" smtClean="0"/>
+          </a:p>
+          <a:p>
+            <a:pPr lvl="0"/>
+            <a:endParaRPr lang="en-US" b="1" dirty="0" smtClean="0"/>
+          </a:p>
+          <a:p>
+            <a:pPr lvl="0"/>
+            <a:r>
+              <a:rPr lang="en-US" b="1" dirty="0" smtClean="0"/>
+              <a:t>8. Privacy </a:t>
+            </a:r>
+            <a:r>
+              <a:rPr lang="en-US" b="1" dirty="0"/>
+              <a:t>Requirement	</a:t>
+            </a:r>
+            <a:endParaRPr lang="en-US" b="1" dirty="0" smtClean="0"/>
+          </a:p>
+          <a:p>
+            <a:pPr lvl="0"/>
+            <a:endParaRPr lang="en-US" b="1" dirty="0" smtClean="0"/>
+          </a:p>
+          <a:p>
+            <a:pPr lvl="0"/>
+            <a:r>
+              <a:rPr lang="en-US" b="1" dirty="0" smtClean="0"/>
+              <a:t>9. Resources </a:t>
+            </a:r>
+            <a:r>
+              <a:rPr lang="en-US" b="1" dirty="0"/>
+              <a:t>used for the creation of the document		</a:t>
+            </a:r>
+            <a:endParaRPr lang="bg-BG" dirty="0"/>
+          </a:p>
+          <a:p>
+            <a:endParaRPr lang="bg-BG" dirty="0"/>
+          </a:p>
+        </p:txBody>
+      </p:sp>
+    </p:spTree>
+    <p:extLst>
+      <p:ext uri="{BB962C8B-B14F-4D97-AF65-F5344CB8AC3E}">
+        <p14:creationId xmlns:p14="http://schemas.microsoft.com/office/powerpoint/2010/main" val="2603184194"/>
+      </p:ext>
+    </p:extLst>
+  </p:cSld>
+  <p:clrMapOvr>
+    <a:masterClrMapping/>
+  </p:clrMapOvr>
+</p:sld>
+</file>
+
+<file path=ppt/slides/slide5.xml><?xml version="1.0" encoding="utf-8"?>
+<p:sld xmlns:a="http://schemas.openxmlformats.org/drawingml/2006/main" xmlns:r="http://schemas.openxmlformats.org/officeDocument/2006/relationships" xmlns:p="http://schemas.openxmlformats.org/presentationml/2006/main">
+  <p:cSld>
+    <p:spTree>
+      <p:nvGrpSpPr>
+        <p:cNvPr id="1" name=""/>
+        <p:cNvGrpSpPr/>
+        <p:nvPr/>
+      </p:nvGrpSpPr>
+      <p:grpSpPr>
+        <a:xfrm>
+          <a:off x="0" y="0"/>
+          <a:ext cx="0" cy="0"/>
+          <a:chOff x="0" y="0"/>
+          <a:chExt cx="0" cy="0"/>
+        </a:xfrm>
+      </p:grpSpPr>
+      <p:sp>
+        <p:nvSpPr>
+          <p:cNvPr id="9" name="Title 8"/>
+          <p:cNvSpPr>
+            <a:spLocks noGrp="1"/>
+          </p:cNvSpPr>
+          <p:nvPr>
+            <p:ph type="title"/>
+          </p:nvPr>
+        </p:nvSpPr>
+        <p:spPr/>
+        <p:txBody>
+          <a:bodyPr/>
+          <a:lstStyle/>
+          <a:p>
+            <a:r>
+              <a:rPr lang="en-US" dirty="0" smtClean="0"/>
+              <a:t>Thank you !</a:t>
+            </a:r>
+            <a:endParaRPr lang="bg-BG" dirty="0"/>
+          </a:p>
+        </p:txBody>
+      </p:sp>
+      <p:sp>
+        <p:nvSpPr>
+          <p:cNvPr id="10" name="Text Placeholder 9"/>
+          <p:cNvSpPr>
+            <a:spLocks noGrp="1"/>
+          </p:cNvSpPr>
+          <p:nvPr>
+            <p:ph type="body" sz="half" idx="2"/>
+          </p:nvPr>
+        </p:nvSpPr>
+        <p:spPr/>
+        <p:txBody>
+          <a:bodyPr/>
+          <a:lstStyle/>
+          <a:p>
+            <a:r>
+              <a:rPr lang="en-US" dirty="0" smtClean="0"/>
+              <a:t>Team MEDISALTON: </a:t>
+            </a:r>
+            <a:r>
+              <a:rPr lang="bg-BG" dirty="0" smtClean="0"/>
+              <a:t>Боян Кацарски, Георги Костадинов, Димитър Игнатов, Дона Парлева</a:t>
+            </a:r>
+            <a:endParaRPr lang="bg-BG" dirty="0"/>
+          </a:p>
+        </p:txBody>
+      </p:sp>
+    </p:spTree>
+    <p:extLst>
+      <p:ext uri="{BB962C8B-B14F-4D97-AF65-F5344CB8AC3E}">
+        <p14:creationId xmlns:p14="http://schemas.microsoft.com/office/powerpoint/2010/main" val="3610181697"/>
+      </p:ext>
+    </p:extLst>
+  </p:cSld>
+  <p:clrMapOvr>
+    <a:masterClrMapping/>
+  </p:clrMapOvr>
+  <p:timing>
+    <p:tnLst>
+      <p:par>
+        <p:cTn id="1" dur="indefinite" restart="never" nodeType="tmRoot"/>
+      </p:par>
+    </p:tnLst>
+  </p:timing>
 </p:sld>
 </file>
 
@@ -6459,4 +7985,265 @@
     </a:ext>
   </a:extLst>
 </a:theme>
+</file>
+
+<file path=ppt/theme/theme2.xml><?xml version="1.0" encoding="utf-8"?>
+<a:theme xmlns:a="http://schemas.openxmlformats.org/drawingml/2006/main" name="Office Theme">
+  <a:themeElements>
+    <a:clrScheme name="Office">
+      <a:dk1>
+        <a:sysClr val="windowText" lastClr="000000"/>
+      </a:dk1>
+      <a:lt1>
+        <a:sysClr val="window" lastClr="FFFFFF"/>
+      </a:lt1>
+      <a:dk2>
+        <a:srgbClr val="44546A"/>
+      </a:dk2>
+      <a:lt2>
+        <a:srgbClr val="E7E6E6"/>
+      </a:lt2>
+      <a:accent1>
+        <a:srgbClr val="5B9BD5"/>
+      </a:accent1>
+      <a:accent2>
+        <a:srgbClr val="ED7D31"/>
+      </a:accent2>
+      <a:accent3>
+        <a:srgbClr val="A5A5A5"/>
+      </a:accent3>
+      <a:accent4>
+        <a:srgbClr val="FFC000"/>
+      </a:accent4>
+      <a:accent5>
+        <a:srgbClr val="4472C4"/>
+      </a:accent5>
+      <a:accent6>
+        <a:srgbClr val="70AD47"/>
+      </a:accent6>
+      <a:hlink>
+        <a:srgbClr val="0563C1"/>
+      </a:hlink>
+      <a:folHlink>
+        <a:srgbClr val="954F72"/>
+      </a:folHlink>
+    </a:clrScheme>
+    <a:fontScheme name="Office">
+      <a:majorFont>
+        <a:latin typeface="Calibri Light" panose="020F0302020204030204"/>
+        <a:ea typeface=""/>
+        <a:cs typeface=""/>
+        <a:font script="Jpan" typeface="ＭＳ Ｐゴシック"/>
+        <a:font script="Hang" typeface="맑은 고딕"/>
+        <a:font script="Hans" typeface="宋体"/>
+        <a:font script="Hant" typeface="新細明體"/>
+        <a:font script="Arab" typeface="Times New Roman"/>
+        <a:font script="Hebr" typeface="Times New Roman"/>
+        <a:font script="Thai" typeface="Angsana New"/>
+        <a:font script="Ethi" typeface="Nyala"/>
+        <a:font script="Beng" typeface="Vrinda"/>
+        <a:font script="Gujr" typeface="Shruti"/>
+        <a:font script="Khmr" typeface="MoolBoran"/>
+        <a:font script="Knda" typeface="Tunga"/>
+        <a:font script="Guru" typeface="Raavi"/>
+        <a:font script="Cans" typeface="Euphemia"/>
+        <a:font script="Cher" typeface="Plantagenet Cherokee"/>
+        <a:font script="Yiii" typeface="Microsoft Yi Baiti"/>
+        <a:font script="Tibt" typeface="Microsoft Himalaya"/>
+        <a:font script="Thaa" typeface="MV Boli"/>
+        <a:font script="Deva" typeface="Mangal"/>
+        <a:font script="Telu" typeface="Gautami"/>
+        <a:font script="Taml" typeface="Latha"/>
+        <a:font script="Syrc" typeface="Estrangelo Edessa"/>
+        <a:font script="Orya" typeface="Kalinga"/>
+        <a:font script="Mlym" typeface="Kartika"/>
+        <a:font script="Laoo" typeface="DokChampa"/>
+        <a:font script="Sinh" typeface="Iskoola Pota"/>
+        <a:font script="Mong" typeface="Mongolian Baiti"/>
+        <a:font script="Viet" typeface="Times New Roman"/>
+        <a:font script="Uigh" typeface="Microsoft Uighur"/>
+        <a:font script="Geor" typeface="Sylfaen"/>
+      </a:majorFont>
+      <a:minorFont>
+        <a:latin typeface="Calibri" panose="020F0502020204030204"/>
+        <a:ea typeface=""/>
+        <a:cs typeface=""/>
+        <a:font script="Jpan" typeface="ＭＳ Ｐゴシック"/>
+        <a:font script="Hang" typeface="맑은 고딕"/>
+        <a:font script="Hans" typeface="宋体"/>
+        <a:font script="Hant" typeface="新細明體"/>
+        <a:font script="Arab" typeface="Arial"/>
+        <a:font script="Hebr" typeface="Arial"/>
+        <a:font script="Thai" typeface="Cordia New"/>
+        <a:font script="Ethi" typeface="Nyala"/>
+        <a:font script="Beng" typeface="Vrinda"/>
+        <a:font script="Gujr" typeface="Shruti"/>
+        <a:font script="Khmr" typeface="DaunPenh"/>
+        <a:font script="Knda" typeface="Tunga"/>
+        <a:font script="Guru" typeface="Raavi"/>
+        <a:font script="Cans" typeface="Euphemia"/>
+        <a:font script="Cher" typeface="Plantagenet Cherokee"/>
+        <a:font script="Yiii" typeface="Microsoft Yi Baiti"/>
+        <a:font script="Tibt" typeface="Microsoft Himalaya"/>
+        <a:font script="Thaa" typeface="MV Boli"/>
+        <a:font script="Deva" typeface="Mangal"/>
+        <a:font script="Telu" typeface="Gautami"/>
+        <a:font script="Taml" typeface="Latha"/>
+        <a:font script="Syrc" typeface="Estrangelo Edessa"/>
+        <a:font script="Orya" typeface="Kalinga"/>
+        <a:font script="Mlym" typeface="Kartika"/>
+        <a:font script="Laoo" typeface="DokChampa"/>
+        <a:font script="Sinh" typeface="Iskoola Pota"/>
+        <a:font script="Mong" typeface="Mongolian Baiti"/>
+        <a:font script="Viet" typeface="Arial"/>
+        <a:font script="Uigh" typeface="Microsoft Uighur"/>
+        <a:font script="Geor" typeface="Sylfaen"/>
+      </a:minorFont>
+    </a:fontScheme>
+    <a:fmtScheme name="Office">
+      <a:fillStyleLst>
+        <a:solidFill>
+          <a:schemeClr val="phClr"/>
+        </a:solidFill>
+        <a:gradFill rotWithShape="1">
+          <a:gsLst>
+            <a:gs pos="0">
+              <a:schemeClr val="phClr">
+                <a:lumMod val="110000"/>
+                <a:satMod val="105000"/>
+                <a:tint val="67000"/>
+              </a:schemeClr>
+            </a:gs>
+            <a:gs pos="50000">
+              <a:schemeClr val="phClr">
+                <a:lumMod val="105000"/>
+                <a:satMod val="103000"/>
+                <a:tint val="73000"/>
+              </a:schemeClr>
+            </a:gs>
+            <a:gs pos="100000">
+              <a:schemeClr val="phClr">
+                <a:lumMod val="105000"/>
+                <a:satMod val="109000"/>
+                <a:tint val="81000"/>
+              </a:schemeClr>
+            </a:gs>
+          </a:gsLst>
+          <a:lin ang="5400000" scaled="0"/>
+        </a:gradFill>
+        <a:gradFill rotWithShape="1">
+          <a:gsLst>
+            <a:gs pos="0">
+              <a:schemeClr val="phClr">
+                <a:satMod val="103000"/>
+                <a:lumMod val="102000"/>
+                <a:tint val="94000"/>
+              </a:schemeClr>
+            </a:gs>
+            <a:gs pos="50000">
+              <a:schemeClr val="phClr">
+                <a:satMod val="110000"/>
+                <a:lumMod val="100000"/>
+                <a:shade val="100000"/>
+              </a:schemeClr>
+            </a:gs>
+            <a:gs pos="100000">
+              <a:schemeClr val="phClr">
+                <a:lumMod val="99000"/>
+                <a:satMod val="120000"/>
+                <a:shade val="78000"/>
+              </a:schemeClr>
+            </a:gs>
+          </a:gsLst>
+          <a:lin ang="5400000" scaled="0"/>
+        </a:gradFill>
+      </a:fillStyleLst>
+      <a:lnStyleLst>
+        <a:ln w="6350" cap="flat" cmpd="sng" algn="ctr">
+          <a:solidFill>
+            <a:schemeClr val="phClr"/>
+          </a:solidFill>
+          <a:prstDash val="solid"/>
+          <a:miter lim="800000"/>
+        </a:ln>
+        <a:ln w="12700" cap="flat" cmpd="sng" algn="ctr">
+          <a:solidFill>
+            <a:schemeClr val="phClr"/>
+          </a:solidFill>
+          <a:prstDash val="solid"/>
+          <a:miter lim="800000"/>
+        </a:ln>
+        <a:ln w="19050" cap="flat" cmpd="sng" algn="ctr">
+          <a:solidFill>
+            <a:schemeClr val="phClr"/>
+          </a:solidFill>
+          <a:prstDash val="solid"/>
+          <a:miter lim="800000"/>
+        </a:ln>
+      </a:lnStyleLst>
+      <a:effectStyleLst>
+        <a:effectStyle>
+          <a:effectLst/>
+        </a:effectStyle>
+        <a:effectStyle>
+          <a:effectLst/>
+        </a:effectStyle>
+        <a:effectStyle>
+          <a:effectLst>
+            <a:outerShdw blurRad="57150" dist="19050" dir="5400000" algn="ctr" rotWithShape="0">
+              <a:srgbClr val="000000">
+                <a:alpha val="63000"/>
+              </a:srgbClr>
+            </a:outerShdw>
+          </a:effectLst>
+        </a:effectStyle>
+      </a:effectStyleLst>
+      <a:bgFillStyleLst>
+        <a:solidFill>
+          <a:schemeClr val="phClr"/>
+        </a:solidFill>
+        <a:solidFill>
+          <a:schemeClr val="phClr">
+            <a:tint val="95000"/>
+            <a:satMod val="170000"/>
+          </a:schemeClr>
+        </a:solidFill>
+        <a:gradFill rotWithShape="1">
+          <a:gsLst>
+            <a:gs pos="0">
+              <a:schemeClr val="phClr">
+                <a:tint val="93000"/>
+                <a:satMod val="150000"/>
+                <a:shade val="98000"/>
+                <a:lumMod val="102000"/>
+              </a:schemeClr>
+            </a:gs>
+            <a:gs pos="50000">
+              <a:schemeClr val="phClr">
+                <a:tint val="98000"/>
+                <a:satMod val="130000"/>
+                <a:shade val="90000"/>
+                <a:lumMod val="103000"/>
+              </a:schemeClr>
+            </a:gs>
+            <a:gs pos="100000">
+              <a:schemeClr val="phClr">
+                <a:shade val="63000"/>
+                <a:satMod val="120000"/>
+              </a:schemeClr>
+            </a:gs>
+          </a:gsLst>
+          <a:lin ang="5400000" scaled="0"/>
+        </a:gradFill>
+      </a:bgFillStyleLst>
+    </a:fmtScheme>
+  </a:themeElements>
+  <a:objectDefaults/>
+  <a:extraClrSchemeLst/>
+  <a:extLst>
+    <a:ext uri="{05A4C25C-085E-4340-85A3-A5531E510DB2}">
+      <thm15:themeFamily xmlns:thm15="http://schemas.microsoft.com/office/thememl/2012/main" name="Office Theme" id="{62F939B6-93AF-4DB8-9C6B-D6C7DFDC589F}" vid="{4A3C46E8-61CC-4603-A589-7422A47A8E4A}"/>
+    </a:ext>
+  </a:extLst>
+</a:theme>
 </file>